--- a/charts/p29/p29.pptx
+++ b/charts/p29/p29.pptx
@@ -9533,7 +9533,7 @@
         <p:spPr>
           <a:xfrm>
             <a:off x="2882900" y="6248400"/>
-            <a:ext cx="254000" cy="165100"/>
+            <a:ext cx="265430" cy="165100"/>
           </a:xfrm>
           <a:prstGeom prst="rect">
             <a:avLst/>
@@ -9863,7 +9863,7 @@
         <p:spPr>
           <a:xfrm>
             <a:off x="6219825" y="6248400"/>
-            <a:ext cx="639763" cy="165100"/>
+            <a:ext cx="715010" cy="136525"/>
           </a:xfrm>
           <a:prstGeom prst="rect">
             <a:avLst/>

--- a/charts/p29/p29.pptx
+++ b/charts/p29/p29.pptx
@@ -8466,74 +8466,6 @@
       </p:sp>
       <p:sp>
         <p:nvSpPr>
-          <p:cNvPr id="1590" name="Google Shape;1590;p29"/>
-          <p:cNvSpPr txBox="1"/>
-          <p:nvPr/>
-        </p:nvSpPr>
-        <p:spPr>
-          <a:xfrm>
-            <a:off x="2220913" y="5637214"/>
-            <a:ext cx="200025" cy="136525"/>
-          </a:xfrm>
-          <a:prstGeom prst="rect">
-            <a:avLst/>
-          </a:prstGeom>
-          <a:solidFill>
-            <a:srgbClr val="142D5C"/>
-          </a:solidFill>
-          <a:ln>
-            <a:noFill/>
-          </a:ln>
-        </p:spPr>
-        <p:txBody>
-          <a:bodyPr spcFirstLastPara="1" wrap="square" lIns="17450" tIns="0" rIns="17450" bIns="0" anchor="ctr" anchorCtr="0">
-            <a:noAutofit/>
-          </a:bodyPr>
-          <a:lstStyle/>
-          <a:p>
-            <a:pPr marL="0" marR="0" lvl="0" indent="0" algn="ctr" rtl="0">
-              <a:lnSpc>
-                <a:spcPct val="90000"/>
-              </a:lnSpc>
-              <a:spcBef>
-                <a:spcPts val="0"/>
-              </a:spcBef>
-              <a:spcAft>
-                <a:spcPts val="0"/>
-              </a:spcAft>
-              <a:buClr>
-                <a:schemeClr val="lt1"/>
-              </a:buClr>
-              <a:buSzPts val="1000"/>
-              <a:buFont typeface="Arial" panose="020B0604020202090204"/>
-              <a:buNone/>
-            </a:pPr>
-            <a:r>
-              <a:rPr lang="en-GB" sz="1000" b="0" i="0" u="none" strike="noStrike" cap="none">
-                <a:solidFill>
-                  <a:schemeClr val="lt1"/>
-                </a:solidFill>
-                <a:latin typeface="Roboto" panose="02000000000000000000"/>
-                <a:ea typeface="Roboto" panose="02000000000000000000"/>
-                <a:cs typeface="Roboto" panose="02000000000000000000"/>
-                <a:sym typeface="Roboto" panose="02000000000000000000"/>
-              </a:rPr>
-              <a:t>2%</a:t>
-            </a:r>
-            <a:endParaRPr sz="1000" b="0" i="0" u="none" strike="noStrike" cap="none">
-              <a:solidFill>
-                <a:schemeClr val="lt1"/>
-              </a:solidFill>
-              <a:latin typeface="Roboto" panose="02000000000000000000"/>
-              <a:ea typeface="Roboto" panose="02000000000000000000"/>
-              <a:cs typeface="Roboto" panose="02000000000000000000"/>
-              <a:sym typeface="Roboto" panose="02000000000000000000"/>
-            </a:endParaRPr>
-          </a:p>
-        </p:txBody>
-      </p:sp>
-      <p:sp>
-        <p:nvSpPr>
           <p:cNvPr id="1591" name="Google Shape;1591;p29"/>
           <p:cNvSpPr txBox="1"/>
           <p:nvPr/>
@@ -8666,142 +8598,6 @@
       </p:sp>
       <p:sp>
         <p:nvSpPr>
-          <p:cNvPr id="1593" name="Google Shape;1593;p29"/>
-          <p:cNvSpPr txBox="1"/>
-          <p:nvPr/>
-        </p:nvSpPr>
-        <p:spPr>
-          <a:xfrm>
-            <a:off x="5053013" y="5613401"/>
-            <a:ext cx="200025" cy="136525"/>
-          </a:xfrm>
-          <a:prstGeom prst="rect">
-            <a:avLst/>
-          </a:prstGeom>
-          <a:solidFill>
-            <a:srgbClr val="0AA0A9"/>
-          </a:solidFill>
-          <a:ln>
-            <a:noFill/>
-          </a:ln>
-        </p:spPr>
-        <p:txBody>
-          <a:bodyPr spcFirstLastPara="1" wrap="square" lIns="17450" tIns="0" rIns="17450" bIns="0" anchor="ctr" anchorCtr="0">
-            <a:noAutofit/>
-          </a:bodyPr>
-          <a:lstStyle/>
-          <a:p>
-            <a:pPr marL="0" marR="0" lvl="0" indent="0" algn="ctr" rtl="0">
-              <a:lnSpc>
-                <a:spcPct val="90000"/>
-              </a:lnSpc>
-              <a:spcBef>
-                <a:spcPts val="0"/>
-              </a:spcBef>
-              <a:spcAft>
-                <a:spcPts val="0"/>
-              </a:spcAft>
-              <a:buClr>
-                <a:schemeClr val="lt1"/>
-              </a:buClr>
-              <a:buSzPts val="1000"/>
-              <a:buFont typeface="Arial" panose="020B0604020202090204"/>
-              <a:buNone/>
-            </a:pPr>
-            <a:r>
-              <a:rPr lang="en-GB" sz="1000" b="0" i="0" u="none" strike="noStrike" cap="none">
-                <a:solidFill>
-                  <a:schemeClr val="lt1"/>
-                </a:solidFill>
-                <a:latin typeface="Roboto" panose="02000000000000000000"/>
-                <a:ea typeface="Roboto" panose="02000000000000000000"/>
-                <a:cs typeface="Roboto" panose="02000000000000000000"/>
-                <a:sym typeface="Roboto" panose="02000000000000000000"/>
-              </a:rPr>
-              <a:t>1%</a:t>
-            </a:r>
-            <a:endParaRPr sz="1000" b="0" i="0" u="none" strike="noStrike" cap="none">
-              <a:solidFill>
-                <a:schemeClr val="lt1"/>
-              </a:solidFill>
-              <a:latin typeface="Roboto" panose="02000000000000000000"/>
-              <a:ea typeface="Roboto" panose="02000000000000000000"/>
-              <a:cs typeface="Roboto" panose="02000000000000000000"/>
-              <a:sym typeface="Roboto" panose="02000000000000000000"/>
-            </a:endParaRPr>
-          </a:p>
-        </p:txBody>
-      </p:sp>
-      <p:sp>
-        <p:nvSpPr>
-          <p:cNvPr id="1594" name="Google Shape;1594;p29"/>
-          <p:cNvSpPr txBox="1"/>
-          <p:nvPr/>
-        </p:nvSpPr>
-        <p:spPr>
-          <a:xfrm>
-            <a:off x="4684713" y="5661025"/>
-            <a:ext cx="200025" cy="136525"/>
-          </a:xfrm>
-          <a:prstGeom prst="rect">
-            <a:avLst/>
-          </a:prstGeom>
-          <a:solidFill>
-            <a:srgbClr val="142D5C"/>
-          </a:solidFill>
-          <a:ln>
-            <a:noFill/>
-          </a:ln>
-        </p:spPr>
-        <p:txBody>
-          <a:bodyPr spcFirstLastPara="1" wrap="square" lIns="17450" tIns="0" rIns="17450" bIns="0" anchor="ctr" anchorCtr="0">
-            <a:noAutofit/>
-          </a:bodyPr>
-          <a:lstStyle/>
-          <a:p>
-            <a:pPr marL="0" marR="0" lvl="0" indent="0" algn="ctr" rtl="0">
-              <a:lnSpc>
-                <a:spcPct val="90000"/>
-              </a:lnSpc>
-              <a:spcBef>
-                <a:spcPts val="0"/>
-              </a:spcBef>
-              <a:spcAft>
-                <a:spcPts val="0"/>
-              </a:spcAft>
-              <a:buClr>
-                <a:schemeClr val="lt1"/>
-              </a:buClr>
-              <a:buSzPts val="1000"/>
-              <a:buFont typeface="Arial" panose="020B0604020202090204"/>
-              <a:buNone/>
-            </a:pPr>
-            <a:r>
-              <a:rPr lang="en-GB" sz="1000" b="0" i="0" u="none" strike="noStrike" cap="none">
-                <a:solidFill>
-                  <a:schemeClr val="lt1"/>
-                </a:solidFill>
-                <a:latin typeface="Roboto" panose="02000000000000000000"/>
-                <a:ea typeface="Roboto" panose="02000000000000000000"/>
-                <a:cs typeface="Roboto" panose="02000000000000000000"/>
-                <a:sym typeface="Roboto" panose="02000000000000000000"/>
-              </a:rPr>
-              <a:t>1%</a:t>
-            </a:r>
-            <a:endParaRPr sz="1000" b="0" i="0" u="none" strike="noStrike" cap="none">
-              <a:solidFill>
-                <a:schemeClr val="lt1"/>
-              </a:solidFill>
-              <a:latin typeface="Roboto" panose="02000000000000000000"/>
-              <a:ea typeface="Roboto" panose="02000000000000000000"/>
-              <a:cs typeface="Roboto" panose="02000000000000000000"/>
-              <a:sym typeface="Roboto" panose="02000000000000000000"/>
-            </a:endParaRPr>
-          </a:p>
-        </p:txBody>
-      </p:sp>
-      <p:sp>
-        <p:nvSpPr>
           <p:cNvPr id="1595" name="Google Shape;1595;p29"/>
           <p:cNvSpPr txBox="1"/>
           <p:nvPr/>
@@ -8857,74 +8653,6 @@
             <a:endParaRPr sz="1200" b="0" i="0" u="none" strike="noStrike" cap="none">
               <a:solidFill>
                 <a:srgbClr val="000000"/>
-              </a:solidFill>
-              <a:latin typeface="Roboto" panose="02000000000000000000"/>
-              <a:ea typeface="Roboto" panose="02000000000000000000"/>
-              <a:cs typeface="Roboto" panose="02000000000000000000"/>
-              <a:sym typeface="Roboto" panose="02000000000000000000"/>
-            </a:endParaRPr>
-          </a:p>
-        </p:txBody>
-      </p:sp>
-      <p:sp>
-        <p:nvSpPr>
-          <p:cNvPr id="1596" name="Google Shape;1596;p29"/>
-          <p:cNvSpPr txBox="1"/>
-          <p:nvPr/>
-        </p:nvSpPr>
-        <p:spPr>
-          <a:xfrm>
-            <a:off x="6192838" y="5637214"/>
-            <a:ext cx="200025" cy="136525"/>
-          </a:xfrm>
-          <a:prstGeom prst="rect">
-            <a:avLst/>
-          </a:prstGeom>
-          <a:solidFill>
-            <a:srgbClr val="142D5C"/>
-          </a:solidFill>
-          <a:ln>
-            <a:noFill/>
-          </a:ln>
-        </p:spPr>
-        <p:txBody>
-          <a:bodyPr spcFirstLastPara="1" wrap="square" lIns="17450" tIns="0" rIns="17450" bIns="0" anchor="ctr" anchorCtr="0">
-            <a:noAutofit/>
-          </a:bodyPr>
-          <a:lstStyle/>
-          <a:p>
-            <a:pPr marL="0" marR="0" lvl="0" indent="0" algn="ctr" rtl="0">
-              <a:lnSpc>
-                <a:spcPct val="90000"/>
-              </a:lnSpc>
-              <a:spcBef>
-                <a:spcPts val="0"/>
-              </a:spcBef>
-              <a:spcAft>
-                <a:spcPts val="0"/>
-              </a:spcAft>
-              <a:buClr>
-                <a:schemeClr val="lt1"/>
-              </a:buClr>
-              <a:buSzPts val="1000"/>
-              <a:buFont typeface="Arial" panose="020B0604020202090204"/>
-              <a:buNone/>
-            </a:pPr>
-            <a:r>
-              <a:rPr lang="en-GB" sz="1000" b="0" i="0" u="none" strike="noStrike" cap="none">
-                <a:solidFill>
-                  <a:schemeClr val="lt1"/>
-                </a:solidFill>
-                <a:latin typeface="Roboto" panose="02000000000000000000"/>
-                <a:ea typeface="Roboto" panose="02000000000000000000"/>
-                <a:cs typeface="Roboto" panose="02000000000000000000"/>
-                <a:sym typeface="Roboto" panose="02000000000000000000"/>
-              </a:rPr>
-              <a:t>2%</a:t>
-            </a:r>
-            <a:endParaRPr sz="1000" b="0" i="0" u="none" strike="noStrike" cap="none">
-              <a:solidFill>
-                <a:schemeClr val="lt1"/>
               </a:solidFill>
               <a:latin typeface="Roboto" panose="02000000000000000000"/>
               <a:ea typeface="Roboto" panose="02000000000000000000"/>
